--- a/Day-2/Day-2.pptx
+++ b/Day-2/Day-2.pptx
@@ -213,7 +213,7 @@
           <a:p>
             <a:fld id="{B7268E1E-0E44-426D-905E-8AD9B19D2182}" type="datetimeFigureOut">
               <a:rPr lang="cs-CZ" smtClean="0"/>
-              <a:t>15.06.2025</a:t>
+              <a:t>17.06.2025</a:t>
             </a:fld>
             <a:endParaRPr lang="cs-CZ"/>
           </a:p>
@@ -661,7 +661,7 @@
             <a:fld id="{1D8BD707-D9CF-40AE-B4C6-C98DA3205C09}" type="datetimeFigureOut">
               <a:rPr lang="en-US" smtClean="0"/>
               <a:pPr/>
-              <a:t>6/15/2025</a:t>
+              <a:t>6/17/2025</a:t>
             </a:fld>
             <a:endParaRPr lang="en-US"/>
           </a:p>
@@ -826,7 +826,7 @@
             <a:fld id="{1D8BD707-D9CF-40AE-B4C6-C98DA3205C09}" type="datetimeFigureOut">
               <a:rPr lang="en-US" smtClean="0"/>
               <a:pPr/>
-              <a:t>6/15/2025</a:t>
+              <a:t>6/17/2025</a:t>
             </a:fld>
             <a:endParaRPr lang="en-US"/>
           </a:p>
@@ -1001,7 +1001,7 @@
             <a:fld id="{1D8BD707-D9CF-40AE-B4C6-C98DA3205C09}" type="datetimeFigureOut">
               <a:rPr lang="en-US" smtClean="0"/>
               <a:pPr/>
-              <a:t>6/15/2025</a:t>
+              <a:t>6/17/2025</a:t>
             </a:fld>
             <a:endParaRPr lang="en-US"/>
           </a:p>
@@ -1166,7 +1166,7 @@
             <a:fld id="{1D8BD707-D9CF-40AE-B4C6-C98DA3205C09}" type="datetimeFigureOut">
               <a:rPr lang="en-US" smtClean="0"/>
               <a:pPr/>
-              <a:t>6/15/2025</a:t>
+              <a:t>6/17/2025</a:t>
             </a:fld>
             <a:endParaRPr lang="en-US"/>
           </a:p>
@@ -1408,7 +1408,7 @@
             <a:fld id="{1D8BD707-D9CF-40AE-B4C6-C98DA3205C09}" type="datetimeFigureOut">
               <a:rPr lang="en-US" smtClean="0"/>
               <a:pPr/>
-              <a:t>6/15/2025</a:t>
+              <a:t>6/17/2025</a:t>
             </a:fld>
             <a:endParaRPr lang="en-US"/>
           </a:p>
@@ -1690,7 +1690,7 @@
             <a:fld id="{1D8BD707-D9CF-40AE-B4C6-C98DA3205C09}" type="datetimeFigureOut">
               <a:rPr lang="en-US" smtClean="0"/>
               <a:pPr/>
-              <a:t>6/15/2025</a:t>
+              <a:t>6/17/2025</a:t>
             </a:fld>
             <a:endParaRPr lang="en-US"/>
           </a:p>
@@ -2106,7 +2106,7 @@
             <a:fld id="{1D8BD707-D9CF-40AE-B4C6-C98DA3205C09}" type="datetimeFigureOut">
               <a:rPr lang="en-US" smtClean="0"/>
               <a:pPr/>
-              <a:t>6/15/2025</a:t>
+              <a:t>6/17/2025</a:t>
             </a:fld>
             <a:endParaRPr lang="en-US"/>
           </a:p>
@@ -2220,7 +2220,7 @@
             <a:fld id="{1D8BD707-D9CF-40AE-B4C6-C98DA3205C09}" type="datetimeFigureOut">
               <a:rPr lang="en-US" smtClean="0"/>
               <a:pPr/>
-              <a:t>6/15/2025</a:t>
+              <a:t>6/17/2025</a:t>
             </a:fld>
             <a:endParaRPr lang="en-US"/>
           </a:p>
@@ -2312,7 +2312,7 @@
             <a:fld id="{1D8BD707-D9CF-40AE-B4C6-C98DA3205C09}" type="datetimeFigureOut">
               <a:rPr lang="en-US" smtClean="0"/>
               <a:pPr/>
-              <a:t>6/15/2025</a:t>
+              <a:t>6/17/2025</a:t>
             </a:fld>
             <a:endParaRPr lang="en-US"/>
           </a:p>
@@ -2584,7 +2584,7 @@
             <a:fld id="{1D8BD707-D9CF-40AE-B4C6-C98DA3205C09}" type="datetimeFigureOut">
               <a:rPr lang="en-US" smtClean="0"/>
               <a:pPr/>
-              <a:t>6/15/2025</a:t>
+              <a:t>6/17/2025</a:t>
             </a:fld>
             <a:endParaRPr lang="en-US"/>
           </a:p>
@@ -2833,7 +2833,7 @@
             <a:fld id="{1D8BD707-D9CF-40AE-B4C6-C98DA3205C09}" type="datetimeFigureOut">
               <a:rPr lang="en-US" smtClean="0"/>
               <a:pPr/>
-              <a:t>6/15/2025</a:t>
+              <a:t>6/17/2025</a:t>
             </a:fld>
             <a:endParaRPr lang="en-US"/>
           </a:p>
@@ -3041,7 +3041,7 @@
             <a:fld id="{1D8BD707-D9CF-40AE-B4C6-C98DA3205C09}" type="datetimeFigureOut">
               <a:rPr lang="en-US" smtClean="0"/>
               <a:pPr/>
-              <a:t>6/15/2025</a:t>
+              <a:t>6/17/2025</a:t>
             </a:fld>
             <a:endParaRPr lang="en-US"/>
           </a:p>
